--- a/FMS/6.Kevin.FMS.pptx
+++ b/FMS/6.Kevin.FMS.pptx
@@ -9,6 +9,7 @@
     <p:sldId id="259" r:id="rId3"/>
     <p:sldId id="257" r:id="rId4"/>
     <p:sldId id="258" r:id="rId5"/>
+    <p:sldId id="260" r:id="rId6"/>
   </p:sldIdLst>
   <p:sldSz cx="12192000" cy="6858000"/>
   <p:notesSz cx="6858000" cy="9144000"/>
@@ -257,7 +258,7 @@
           <a:p>
             <a:fld id="{0F0D3542-CEF4-F94B-B79A-40EF4BAA7750}" type="datetimeFigureOut">
               <a:rPr lang="en-US" altLang="zh-TW"/>
-              <a:t>9/9/2024</a:t>
+              <a:t>9/16/2024</a:t>
             </a:fld>
             <a:endParaRPr lang="zh-TW" altLang="en-US"/>
           </a:p>
@@ -455,7 +456,7 @@
           <a:p>
             <a:fld id="{0F0D3542-CEF4-F94B-B79A-40EF4BAA7750}" type="datetimeFigureOut">
               <a:rPr lang="en-US" altLang="zh-TW"/>
-              <a:t>9/9/2024</a:t>
+              <a:t>9/16/2024</a:t>
             </a:fld>
             <a:endParaRPr lang="zh-TW" altLang="en-US"/>
           </a:p>
@@ -663,7 +664,7 @@
           <a:p>
             <a:fld id="{0F0D3542-CEF4-F94B-B79A-40EF4BAA7750}" type="datetimeFigureOut">
               <a:rPr lang="en-US" altLang="zh-TW"/>
-              <a:t>9/9/2024</a:t>
+              <a:t>9/16/2024</a:t>
             </a:fld>
             <a:endParaRPr lang="zh-TW" altLang="en-US"/>
           </a:p>
@@ -861,7 +862,7 @@
           <a:p>
             <a:fld id="{0F0D3542-CEF4-F94B-B79A-40EF4BAA7750}" type="datetimeFigureOut">
               <a:rPr lang="en-US" altLang="zh-TW"/>
-              <a:t>9/9/2024</a:t>
+              <a:t>9/16/2024</a:t>
             </a:fld>
             <a:endParaRPr lang="zh-TW" altLang="en-US"/>
           </a:p>
@@ -1136,7 +1137,7 @@
           <a:p>
             <a:fld id="{0F0D3542-CEF4-F94B-B79A-40EF4BAA7750}" type="datetimeFigureOut">
               <a:rPr lang="en-US" altLang="zh-TW"/>
-              <a:t>9/9/2024</a:t>
+              <a:t>9/16/2024</a:t>
             </a:fld>
             <a:endParaRPr lang="zh-TW" altLang="en-US"/>
           </a:p>
@@ -1401,7 +1402,7 @@
           <a:p>
             <a:fld id="{0F0D3542-CEF4-F94B-B79A-40EF4BAA7750}" type="datetimeFigureOut">
               <a:rPr lang="en-US" altLang="zh-TW"/>
-              <a:t>9/9/2024</a:t>
+              <a:t>9/16/2024</a:t>
             </a:fld>
             <a:endParaRPr lang="zh-TW" altLang="en-US"/>
           </a:p>
@@ -1813,7 +1814,7 @@
           <a:p>
             <a:fld id="{0F0D3542-CEF4-F94B-B79A-40EF4BAA7750}" type="datetimeFigureOut">
               <a:rPr lang="en-US" altLang="zh-TW"/>
-              <a:t>9/9/2024</a:t>
+              <a:t>9/16/2024</a:t>
             </a:fld>
             <a:endParaRPr lang="zh-TW" altLang="en-US"/>
           </a:p>
@@ -1954,7 +1955,7 @@
           <a:p>
             <a:fld id="{0F0D3542-CEF4-F94B-B79A-40EF4BAA7750}" type="datetimeFigureOut">
               <a:rPr lang="en-US" altLang="zh-TW"/>
-              <a:t>9/9/2024</a:t>
+              <a:t>9/16/2024</a:t>
             </a:fld>
             <a:endParaRPr lang="zh-TW" altLang="en-US"/>
           </a:p>
@@ -2067,7 +2068,7 @@
           <a:p>
             <a:fld id="{0F0D3542-CEF4-F94B-B79A-40EF4BAA7750}" type="datetimeFigureOut">
               <a:rPr lang="en-US" altLang="zh-TW"/>
-              <a:t>9/9/2024</a:t>
+              <a:t>9/16/2024</a:t>
             </a:fld>
             <a:endParaRPr lang="zh-TW" altLang="en-US"/>
           </a:p>
@@ -2378,7 +2379,7 @@
           <a:p>
             <a:fld id="{0F0D3542-CEF4-F94B-B79A-40EF4BAA7750}" type="datetimeFigureOut">
               <a:rPr lang="en-US" altLang="zh-TW"/>
-              <a:t>9/9/2024</a:t>
+              <a:t>9/16/2024</a:t>
             </a:fld>
             <a:endParaRPr lang="zh-TW" altLang="en-US"/>
           </a:p>
@@ -2666,7 +2667,7 @@
           <a:p>
             <a:fld id="{0F0D3542-CEF4-F94B-B79A-40EF4BAA7750}" type="datetimeFigureOut">
               <a:rPr lang="en-US" altLang="zh-TW"/>
-              <a:t>9/9/2024</a:t>
+              <a:t>9/16/2024</a:t>
             </a:fld>
             <a:endParaRPr lang="zh-TW" altLang="en-US"/>
           </a:p>
@@ -2907,7 +2908,7 @@
           <a:p>
             <a:fld id="{0F0D3542-CEF4-F94B-B79A-40EF4BAA7750}" type="datetimeFigureOut">
               <a:rPr lang="en-US" altLang="zh-TW"/>
-              <a:t>9/9/2024</a:t>
+              <a:t>9/16/2024</a:t>
             </a:fld>
             <a:endParaRPr lang="zh-TW" altLang="en-US"/>
           </a:p>
@@ -4728,6 +4729,181 @@
     <p:extLst>
       <p:ext uri="{BB962C8B-B14F-4D97-AF65-F5344CB8AC3E}">
         <p14:creationId xmlns:p14="http://schemas.microsoft.com/office/powerpoint/2010/main" val="2159097256"/>
+      </p:ext>
+    </p:extLst>
+  </p:cSld>
+  <p:clrMapOvr>
+    <a:masterClrMapping/>
+  </p:clrMapOvr>
+</p:sld>
+</file>
+
+<file path=ppt/slides/slide5.xml><?xml version="1.0" encoding="utf-8"?>
+<p:sld xmlns:a="http://schemas.openxmlformats.org/drawingml/2006/main" xmlns:r="http://schemas.openxmlformats.org/officeDocument/2006/relationships" xmlns:p="http://schemas.openxmlformats.org/presentationml/2006/main">
+  <p:cSld>
+    <p:spTree>
+      <p:nvGrpSpPr>
+        <p:cNvPr id="1" name=""/>
+        <p:cNvGrpSpPr/>
+        <p:nvPr/>
+      </p:nvGrpSpPr>
+      <p:grpSpPr>
+        <a:xfrm>
+          <a:off x="0" y="0"/>
+          <a:ext cx="0" cy="0"/>
+          <a:chOff x="0" y="0"/>
+          <a:chExt cx="0" cy="0"/>
+        </a:xfrm>
+      </p:grpSpPr>
+      <p:sp>
+        <p:nvSpPr>
+          <p:cNvPr id="2" name="標題 1">
+            <a:extLst>
+              <a:ext uri="{FF2B5EF4-FFF2-40B4-BE49-F238E27FC236}">
+                <a16:creationId xmlns:a16="http://schemas.microsoft.com/office/drawing/2014/main" id="{ED7B521F-29C8-5B8A-AEAD-85BF3A6630FE}"/>
+              </a:ext>
+            </a:extLst>
+          </p:cNvPr>
+          <p:cNvSpPr>
+            <a:spLocks noGrp="1"/>
+          </p:cNvSpPr>
+          <p:nvPr>
+            <p:ph type="title"/>
+          </p:nvPr>
+        </p:nvSpPr>
+        <p:spPr/>
+        <p:txBody>
+          <a:bodyPr/>
+          <a:lstStyle/>
+          <a:p>
+            <a:r>
+              <a:rPr lang="en-US" altLang="zh-TW"/>
+              <a:t>About</a:t>
+            </a:r>
+            <a:r>
+              <a:rPr lang="zh-TW" altLang="en-US"/>
+              <a:t> </a:t>
+            </a:r>
+            <a:r>
+              <a:rPr lang="en-US" altLang="zh-TW"/>
+              <a:t>project</a:t>
+            </a:r>
+            <a:endParaRPr lang="zh-TW" altLang="en-US"/>
+          </a:p>
+        </p:txBody>
+      </p:sp>
+      <p:pic>
+        <p:nvPicPr>
+          <p:cNvPr id="4" name="內容版面配置區 3">
+            <a:extLst>
+              <a:ext uri="{FF2B5EF4-FFF2-40B4-BE49-F238E27FC236}">
+                <a16:creationId xmlns:a16="http://schemas.microsoft.com/office/drawing/2014/main" id="{6D1F2176-D6EC-2016-4629-2C0753BE62D9}"/>
+              </a:ext>
+            </a:extLst>
+          </p:cNvPr>
+          <p:cNvPicPr>
+            <a:picLocks noGrp="1" noChangeAspect="1"/>
+          </p:cNvPicPr>
+          <p:nvPr>
+            <p:ph idx="1"/>
+          </p:nvPr>
+        </p:nvPicPr>
+        <p:blipFill>
+          <a:blip r:embed="rId2">
+            <a:extLst>
+              <a:ext uri="{28A0092B-C50C-407E-A947-70E740481C1C}">
+                <a14:useLocalDpi xmlns:a14="http://schemas.microsoft.com/office/drawing/2010/main" val="0"/>
+              </a:ext>
+            </a:extLst>
+          </a:blip>
+          <a:stretch>
+            <a:fillRect/>
+          </a:stretch>
+        </p:blipFill>
+        <p:spPr>
+          <a:xfrm>
+            <a:off x="560664" y="1526122"/>
+            <a:ext cx="5038201" cy="3596717"/>
+          </a:xfrm>
+        </p:spPr>
+      </p:pic>
+      <p:pic>
+        <p:nvPicPr>
+          <p:cNvPr id="5" name="圖片 4">
+            <a:extLst>
+              <a:ext uri="{FF2B5EF4-FFF2-40B4-BE49-F238E27FC236}">
+                <a16:creationId xmlns:a16="http://schemas.microsoft.com/office/drawing/2014/main" id="{AC38110D-191A-8D8C-C200-CF01F70D9A42}"/>
+              </a:ext>
+            </a:extLst>
+          </p:cNvPr>
+          <p:cNvPicPr>
+            <a:picLocks noChangeAspect="1"/>
+          </p:cNvPicPr>
+          <p:nvPr/>
+        </p:nvPicPr>
+        <p:blipFill>
+          <a:blip r:embed="rId3">
+            <a:extLst>
+              <a:ext uri="{28A0092B-C50C-407E-A947-70E740481C1C}">
+                <a14:useLocalDpi xmlns:a14="http://schemas.microsoft.com/office/drawing/2010/main" val="0"/>
+              </a:ext>
+            </a:extLst>
+          </a:blip>
+          <a:stretch>
+            <a:fillRect/>
+          </a:stretch>
+        </p:blipFill>
+        <p:spPr>
+          <a:xfrm>
+            <a:off x="6483365" y="1429426"/>
+            <a:ext cx="4870435" cy="3693413"/>
+          </a:xfrm>
+          <a:prstGeom prst="rect">
+            <a:avLst/>
+          </a:prstGeom>
+        </p:spPr>
+      </p:pic>
+      <p:sp>
+        <p:nvSpPr>
+          <p:cNvPr id="6" name="文字方塊 5">
+            <a:extLst>
+              <a:ext uri="{FF2B5EF4-FFF2-40B4-BE49-F238E27FC236}">
+                <a16:creationId xmlns:a16="http://schemas.microsoft.com/office/drawing/2014/main" id="{24F06114-C985-1B16-A443-8DFE6420AF84}"/>
+              </a:ext>
+            </a:extLst>
+          </p:cNvPr>
+          <p:cNvSpPr txBox="1"/>
+          <p:nvPr/>
+        </p:nvSpPr>
+        <p:spPr>
+          <a:xfrm>
+            <a:off x="1040162" y="5029199"/>
+            <a:ext cx="2993956" cy="461665"/>
+          </a:xfrm>
+          <a:prstGeom prst="rect">
+            <a:avLst/>
+          </a:prstGeom>
+          <a:noFill/>
+        </p:spPr>
+        <p:txBody>
+          <a:bodyPr wrap="square" rtlCol="0">
+            <a:spAutoFit/>
+          </a:bodyPr>
+          <a:lstStyle/>
+          <a:p>
+            <a:pPr algn="l"/>
+            <a:r>
+              <a:rPr lang="en-US" altLang="zh-TW" sz="2400"/>
+              <a:t>(Main)</a:t>
+            </a:r>
+            <a:endParaRPr lang="zh-TW" altLang="en-US" sz="2400"/>
+          </a:p>
+        </p:txBody>
+      </p:sp>
+    </p:spTree>
+    <p:extLst>
+      <p:ext uri="{BB962C8B-B14F-4D97-AF65-F5344CB8AC3E}">
+        <p14:creationId xmlns:p14="http://schemas.microsoft.com/office/powerpoint/2010/main" val="2765387508"/>
       </p:ext>
     </p:extLst>
   </p:cSld>

--- a/FMS/6.Kevin.FMS.pptx
+++ b/FMS/6.Kevin.FMS.pptx
@@ -4897,6 +4897,77 @@
               <a:t>(Main)</a:t>
             </a:r>
             <a:endParaRPr lang="zh-TW" altLang="en-US" sz="2400"/>
+          </a:p>
+        </p:txBody>
+      </p:sp>
+      <p:sp>
+        <p:nvSpPr>
+          <p:cNvPr id="3" name="文字方塊 2">
+            <a:extLst>
+              <a:ext uri="{FF2B5EF4-FFF2-40B4-BE49-F238E27FC236}">
+                <a16:creationId xmlns:a16="http://schemas.microsoft.com/office/drawing/2014/main" id="{A4708E02-229F-97B6-4720-03ADDA3CF994}"/>
+              </a:ext>
+            </a:extLst>
+          </p:cNvPr>
+          <p:cNvSpPr txBox="1"/>
+          <p:nvPr/>
+        </p:nvSpPr>
+        <p:spPr>
+          <a:xfrm rot="10800000" flipV="1">
+            <a:off x="7086193" y="6187140"/>
+            <a:ext cx="5877995" cy="523220"/>
+          </a:xfrm>
+          <a:prstGeom prst="rect">
+            <a:avLst/>
+          </a:prstGeom>
+          <a:noFill/>
+        </p:spPr>
+        <p:txBody>
+          <a:bodyPr wrap="square" rtlCol="0">
+            <a:spAutoFit/>
+          </a:bodyPr>
+          <a:lstStyle/>
+          <a:p>
+            <a:pPr algn="l"/>
+            <a:r>
+              <a:rPr lang="en-US" altLang="zh-TW" sz="2800">
+                <a:latin typeface="微軟正黑體" panose="020B0604030504040204" pitchFamily="34" charset="-120"/>
+                <a:ea typeface="微軟正黑體" panose="020B0604030504040204" pitchFamily="34" charset="-120"/>
+              </a:rPr>
+              <a:t>Work</a:t>
+            </a:r>
+            <a:r>
+              <a:rPr lang="zh-TW" altLang="en-US" sz="2800">
+                <a:latin typeface="微軟正黑體" panose="020B0604030504040204" pitchFamily="34" charset="-120"/>
+                <a:ea typeface="微軟正黑體" panose="020B0604030504040204" pitchFamily="34" charset="-120"/>
+              </a:rPr>
+              <a:t> </a:t>
+            </a:r>
+            <a:r>
+              <a:rPr lang="en-US" altLang="zh-TW" sz="2800">
+                <a:latin typeface="微軟正黑體" panose="020B0604030504040204" pitchFamily="34" charset="-120"/>
+                <a:ea typeface="微軟正黑體" panose="020B0604030504040204" pitchFamily="34" charset="-120"/>
+              </a:rPr>
+              <a:t>with</a:t>
+            </a:r>
+            <a:r>
+              <a:rPr lang="zh-TW" altLang="en-US" sz="2800">
+                <a:latin typeface="微軟正黑體" panose="020B0604030504040204" pitchFamily="34" charset="-120"/>
+                <a:ea typeface="微軟正黑體" panose="020B0604030504040204" pitchFamily="34" charset="-120"/>
+              </a:rPr>
+              <a:t>：郭奕伶</a:t>
+            </a:r>
+            <a:r>
+              <a:rPr lang="en-US" altLang="zh-TW" sz="2800">
+                <a:latin typeface="微軟正黑體" panose="020B0604030504040204" pitchFamily="34" charset="-120"/>
+                <a:ea typeface="微軟正黑體" panose="020B0604030504040204" pitchFamily="34" charset="-120"/>
+              </a:rPr>
+              <a:t>(Ling)</a:t>
+            </a:r>
+            <a:endParaRPr lang="zh-TW" altLang="en-US" sz="2800">
+              <a:latin typeface="微軟正黑體" panose="020B0604030504040204" pitchFamily="34" charset="-120"/>
+              <a:ea typeface="微軟正黑體" panose="020B0604030504040204" pitchFamily="34" charset="-120"/>
+            </a:endParaRPr>
           </a:p>
         </p:txBody>
       </p:sp>
